--- a/project_presentation_241021/StockEcom-Presentation-241021.pptx
+++ b/project_presentation_241021/StockEcom-Presentation-241021.pptx
@@ -6359,7 +6359,7 @@
           <a:p>
             <a:fld id="{2395C5C9-164C-46B3-A87E-7660D39D3106}" type="datetime2">
               <a:rPr lang="en-US" smtClean="0"/>
-              <a:t>Monday, 21 October, 2024</a:t>
+              <a:t>Monday, October 21, 2024</a:t>
             </a:fld>
             <a:endParaRPr lang="en-US" dirty="0"/>
           </a:p>
@@ -6562,7 +6562,7 @@
           <a:p>
             <a:fld id="{5B75179A-1E2B-41AB-B400-4F1B4022FAEE}" type="datetime2">
               <a:rPr lang="en-US" smtClean="0"/>
-              <a:t>Monday, 21 October, 2024</a:t>
+              <a:t>Monday, October 21, 2024</a:t>
             </a:fld>
             <a:endParaRPr lang="en-US"/>
           </a:p>
@@ -6775,7 +6775,7 @@
           <a:p>
             <a:fld id="{05681D0F-6595-4F14-8EF3-954CD87C797B}" type="datetime2">
               <a:rPr lang="en-US" smtClean="0"/>
-              <a:t>Monday, 21 October, 2024</a:t>
+              <a:t>Monday, October 21, 2024</a:t>
             </a:fld>
             <a:endParaRPr lang="en-US"/>
           </a:p>
@@ -6977,7 +6977,7 @@
           <a:p>
             <a:fld id="{4DDCFF8A-AAF8-4A12-8A91-9CA0EAF6CBB9}" type="datetime2">
               <a:rPr lang="en-US" smtClean="0"/>
-              <a:t>Monday, 21 October, 2024</a:t>
+              <a:t>Monday, October 21, 2024</a:t>
             </a:fld>
             <a:endParaRPr lang="en-US" dirty="0"/>
           </a:p>
@@ -7256,7 +7256,7 @@
           <a:p>
             <a:fld id="{ABCC25C3-021A-4B0B-8F70-0C181FE1CF45}" type="datetime2">
               <a:rPr lang="en-US" smtClean="0"/>
-              <a:t>Monday, 21 October, 2024</a:t>
+              <a:t>Monday, October 21, 2024</a:t>
             </a:fld>
             <a:endParaRPr lang="en-US"/>
           </a:p>
@@ -7516,7 +7516,7 @@
           <a:p>
             <a:fld id="{0C23D88D-8CEC-4ED9-A53B-5596187D9A16}" type="datetime2">
               <a:rPr lang="en-US" smtClean="0"/>
-              <a:t>Monday, 21 October, 2024</a:t>
+              <a:t>Monday, October 21, 2024</a:t>
             </a:fld>
             <a:endParaRPr lang="en-US"/>
           </a:p>
@@ -7932,7 +7932,7 @@
           <a:p>
             <a:fld id="{D2CCD382-DFDA-4722-A27A-59C21AD112F2}" type="datetime2">
               <a:rPr lang="en-US" smtClean="0"/>
-              <a:t>Monday, 21 October, 2024</a:t>
+              <a:t>Monday, October 21, 2024</a:t>
             </a:fld>
             <a:endParaRPr lang="en-US"/>
           </a:p>
@@ -8077,7 +8077,7 @@
           <a:p>
             <a:fld id="{22F2A30D-1C09-413F-AAB1-38F366000715}" type="datetime2">
               <a:rPr lang="en-US" smtClean="0"/>
-              <a:t>Monday, 21 October, 2024</a:t>
+              <a:t>Monday, October 21, 2024</a:t>
             </a:fld>
             <a:endParaRPr lang="en-US"/>
           </a:p>
@@ -8199,7 +8199,7 @@
           <a:p>
             <a:fld id="{6DB82B9C-D65E-4F64-95C3-B10F3B00F0D9}" type="datetime2">
               <a:rPr lang="en-US" smtClean="0"/>
-              <a:t>Monday, 21 October, 2024</a:t>
+              <a:t>Monday, October 21, 2024</a:t>
             </a:fld>
             <a:endParaRPr lang="en-US"/>
           </a:p>
@@ -8522,7 +8522,7 @@
           <a:p>
             <a:fld id="{B7F5FDCC-6AAC-4A08-B9E0-3793AB5E64C3}" type="datetime2">
               <a:rPr lang="en-US" smtClean="0"/>
-              <a:t>Monday, 21 October, 2024</a:t>
+              <a:t>Monday, October 21, 2024</a:t>
             </a:fld>
             <a:endParaRPr lang="en-US"/>
           </a:p>
@@ -8810,7 +8810,7 @@
           <a:p>
             <a:fld id="{349FE94D-439C-40F1-900E-BC07940E3988}" type="datetime2">
               <a:rPr lang="en-US" smtClean="0"/>
-              <a:t>Monday, 21 October, 2024</a:t>
+              <a:t>Monday, October 21, 2024</a:t>
             </a:fld>
             <a:endParaRPr lang="en-US"/>
           </a:p>
@@ -9098,7 +9098,7 @@
           <a:p>
             <a:fld id="{8DEA2CF1-0EB2-4673-802D-3371233E4A77}" type="datetime2">
               <a:rPr lang="en-US" smtClean="0"/>
-              <a:t>Monday, 21 October, 2024</a:t>
+              <a:t>Monday, October 21, 2024</a:t>
             </a:fld>
             <a:endParaRPr lang="en-US" dirty="0"/>
           </a:p>
@@ -9727,6 +9727,12 @@
                 <a:ln>
                   <a:noFill/>
                 </a:ln>
+                <a:solidFill>
+                  <a:schemeClr val="tx1">
+                    <a:lumMod val="95000"/>
+                    <a:alpha val="58000"/>
+                  </a:schemeClr>
+                </a:solidFill>
                 <a:effectLst/>
                 <a:latin typeface="+mj-lt"/>
               </a:rPr>
@@ -9755,6 +9761,12 @@
                 <a:ln>
                   <a:noFill/>
                 </a:ln>
+                <a:solidFill>
+                  <a:schemeClr val="tx1">
+                    <a:lumMod val="95000"/>
+                    <a:alpha val="58000"/>
+                  </a:schemeClr>
+                </a:solidFill>
                 <a:effectLst/>
                 <a:latin typeface="+mj-lt"/>
               </a:rPr>
@@ -9781,6 +9793,12 @@
                 <a:ln>
                   <a:noFill/>
                 </a:ln>
+                <a:solidFill>
+                  <a:schemeClr val="tx1">
+                    <a:lumMod val="95000"/>
+                    <a:alpha val="58000"/>
+                  </a:schemeClr>
+                </a:solidFill>
                 <a:effectLst/>
                 <a:latin typeface="+mj-lt"/>
               </a:rPr>
@@ -9791,6 +9809,12 @@
                 <a:ln>
                   <a:noFill/>
                 </a:ln>
+                <a:solidFill>
+                  <a:schemeClr val="tx1">
+                    <a:lumMod val="95000"/>
+                    <a:alpha val="58000"/>
+                  </a:schemeClr>
+                </a:solidFill>
                 <a:effectLst/>
                 <a:latin typeface="+mj-lt"/>
               </a:rPr>
@@ -9819,10 +9843,26 @@
                 <a:ln>
                   <a:noFill/>
                 </a:ln>
+                <a:solidFill>
+                  <a:schemeClr val="tx1">
+                    <a:lumMod val="95000"/>
+                    <a:alpha val="58000"/>
+                  </a:schemeClr>
+                </a:solidFill>
                 <a:effectLst/>
                 <a:latin typeface="+mj-lt"/>
               </a:rPr>
-              <a:t>The application includes a dynamic product catalog, a secure checkout system with PayPal integration, state management using Redux, and API communication via Axios.</a:t>
+              <a:t>The application includes a dynamic product catalog, a secure checkout system with PayPal integration, state management using Redux, and API communication via Axios</a:t>
+            </a:r>
+            <a:r>
+              <a:rPr kumimoji="0" lang="LID4096" altLang="LID4096" sz="2400" b="0" i="0" u="none" strike="noStrike" cap="none" normalizeH="0" baseline="0" dirty="0">
+                <a:ln>
+                  <a:noFill/>
+                </a:ln>
+                <a:effectLst/>
+                <a:latin typeface="+mj-lt"/>
+              </a:rPr>
+              <a:t>.</a:t>
             </a:r>
           </a:p>
           <a:p>
@@ -10501,6 +10541,55 @@
             <a:endParaRPr lang="LID4096" sz="2400" dirty="0">
               <a:latin typeface="+mj-lt"/>
             </a:endParaRPr>
+          </a:p>
+        </p:txBody>
+      </p:sp>
+      <p:sp>
+        <p:nvSpPr>
+          <p:cNvPr id="5" name="TextBox 4">
+            <a:extLst>
+              <a:ext uri="{FF2B5EF4-FFF2-40B4-BE49-F238E27FC236}">
+                <a16:creationId xmlns:a16="http://schemas.microsoft.com/office/drawing/2014/main" id="{91FB9366-B18E-C6D6-8070-AC683F42EC21}"/>
+              </a:ext>
+            </a:extLst>
+          </p:cNvPr>
+          <p:cNvSpPr txBox="1"/>
+          <p:nvPr/>
+        </p:nvSpPr>
+        <p:spPr>
+          <a:xfrm>
+            <a:off x="6558115" y="5978013"/>
+            <a:ext cx="2615381" cy="461665"/>
+          </a:xfrm>
+          <a:prstGeom prst="rect">
+            <a:avLst/>
+          </a:prstGeom>
+          <a:noFill/>
+        </p:spPr>
+        <p:txBody>
+          <a:bodyPr wrap="square" rtlCol="0">
+            <a:spAutoFit/>
+          </a:bodyPr>
+          <a:lstStyle/>
+          <a:p>
+            <a:r>
+              <a:rPr lang="en-US" sz="2400" dirty="0">
+                <a:latin typeface="+mj-lt"/>
+              </a:rPr>
+              <a:t>Nick </a:t>
+            </a:r>
+            <a:r>
+              <a:rPr lang="en-US" sz="2400" dirty="0" err="1">
+                <a:latin typeface="+mj-lt"/>
+              </a:rPr>
+              <a:t>Bwalley</a:t>
+            </a:r>
+            <a:r>
+              <a:rPr lang="en-US" sz="2400" dirty="0">
+                <a:latin typeface="+mj-lt"/>
+              </a:rPr>
+              <a:t>, Jainick Vishani</a:t>
+            </a:r>
           </a:p>
         </p:txBody>
       </p:sp>

--- a/project_presentation_241021/StockEcom-Presentation-241021.pptx
+++ b/project_presentation_241021/StockEcom-Presentation-241021.pptx
@@ -7,11 +7,12 @@
   <p:sldIdLst>
     <p:sldId id="256" r:id="rId2"/>
     <p:sldId id="257" r:id="rId3"/>
-    <p:sldId id="258" r:id="rId4"/>
-    <p:sldId id="259" r:id="rId5"/>
-    <p:sldId id="260" r:id="rId6"/>
-    <p:sldId id="261" r:id="rId7"/>
-    <p:sldId id="262" r:id="rId8"/>
+    <p:sldId id="263" r:id="rId4"/>
+    <p:sldId id="258" r:id="rId5"/>
+    <p:sldId id="259" r:id="rId6"/>
+    <p:sldId id="260" r:id="rId7"/>
+    <p:sldId id="261" r:id="rId8"/>
+    <p:sldId id="262" r:id="rId9"/>
   </p:sldIdLst>
   <p:sldSz cx="12192000" cy="6858000"/>
   <p:notesSz cx="6858000" cy="9144000"/>
@@ -1651,7 +1652,7 @@
 <dgm:dataModel xmlns:dgm="http://schemas.openxmlformats.org/drawingml/2006/diagram" xmlns:a="http://schemas.openxmlformats.org/drawingml/2006/main">
   <dgm:ptLst>
     <dgm:pt modelId="{E083F41D-43AC-4838-A8E9-4852E4885AFE}" type="doc">
-      <dgm:prSet loTypeId="urn:microsoft.com/office/officeart/2016/7/layout/RepeatingBendingProcessNew" loCatId="process" qsTypeId="urn:microsoft.com/office/officeart/2005/8/quickstyle/simple3" qsCatId="simple" csTypeId="urn:microsoft.com/office/officeart/2005/8/colors/accent1_2" csCatId="accent1"/>
+      <dgm:prSet loTypeId="urn:microsoft.com/office/officeart/2016/7/layout/RepeatingBendingProcessNew" loCatId="process" qsTypeId="urn:microsoft.com/office/officeart/2005/8/quickstyle/simple3" qsCatId="simple" csTypeId="urn:microsoft.com/office/officeart/2005/8/colors/accent1_2" csCatId="accent1" phldr="1"/>
       <dgm:spPr/>
       <dgm:t>
         <a:bodyPr/>
@@ -1825,14 +1826,14 @@
         <a:lstStyle/>
         <a:p>
           <a:r>
-            <a:rPr lang="en-US" b="1" i="0" baseline="0"/>
-            <a:t>Database (PostgreSQL)</a:t>
+            <a:rPr lang="en-US" b="1" i="0" baseline="0" dirty="0"/>
+            <a:t>Database (SQLite3)</a:t>
           </a:r>
           <a:r>
-            <a:rPr lang="en-US" b="0" i="0" baseline="0"/>
+            <a:rPr lang="en-US" b="0" i="0" baseline="0" dirty="0"/>
             <a:t>:</a:t>
           </a:r>
-          <a:endParaRPr lang="en-US"/>
+          <a:endParaRPr lang="en-US" dirty="0"/>
         </a:p>
       </dgm:t>
     </dgm:pt>
@@ -1866,10 +1867,10 @@
         <a:lstStyle/>
         <a:p>
           <a:r>
-            <a:rPr lang="en-US" b="0" i="0" baseline="0"/>
+            <a:rPr lang="en-US" b="0" i="0" baseline="0" dirty="0"/>
             <a:t>"Stores product, user, and transaction data. Structured for efficient access and query performance."</a:t>
           </a:r>
-          <a:endParaRPr lang="en-US"/>
+          <a:endParaRPr lang="en-US" dirty="0"/>
         </a:p>
       </dgm:t>
     </dgm:pt>
@@ -3232,14 +3233,14 @@
             <a:buNone/>
           </a:pPr>
           <a:r>
-            <a:rPr lang="en-US" sz="1400" b="1" i="0" kern="1200" baseline="0"/>
-            <a:t>Database (PostgreSQL)</a:t>
+            <a:rPr lang="en-US" sz="1400" b="1" i="0" kern="1200" baseline="0" dirty="0"/>
+            <a:t>Database (SQLite3)</a:t>
           </a:r>
           <a:r>
-            <a:rPr lang="en-US" sz="1400" b="0" i="0" kern="1200" baseline="0"/>
+            <a:rPr lang="en-US" sz="1400" b="0" i="0" kern="1200" baseline="0" dirty="0"/>
             <a:t>:</a:t>
           </a:r>
-          <a:endParaRPr lang="en-US" sz="1400" kern="1200"/>
+          <a:endParaRPr lang="en-US" sz="1400" kern="1200" dirty="0"/>
         </a:p>
       </dsp:txBody>
       <dsp:txXfrm>
@@ -3343,10 +3344,10 @@
             <a:buNone/>
           </a:pPr>
           <a:r>
-            <a:rPr lang="en-US" sz="1400" b="0" i="0" kern="1200" baseline="0"/>
+            <a:rPr lang="en-US" sz="1400" b="0" i="0" kern="1200" baseline="0" dirty="0"/>
             <a:t>"Stores product, user, and transaction data. Structured for efficient access and query performance."</a:t>
           </a:r>
-          <a:endParaRPr lang="en-US" sz="1400" kern="1200"/>
+          <a:endParaRPr lang="en-US" sz="1400" kern="1200" dirty="0"/>
         </a:p>
       </dsp:txBody>
       <dsp:txXfrm>
@@ -12230,6 +12231,175 @@
 <file path=ppt/slides/slide3.xml><?xml version="1.0" encoding="utf-8"?>
 <p:sld xmlns:a="http://schemas.openxmlformats.org/drawingml/2006/main" xmlns:r="http://schemas.openxmlformats.org/officeDocument/2006/relationships" xmlns:p="http://schemas.openxmlformats.org/presentationml/2006/main">
   <p:cSld>
+    <p:spTree>
+      <p:nvGrpSpPr>
+        <p:cNvPr id="1" name=""/>
+        <p:cNvGrpSpPr/>
+        <p:nvPr/>
+      </p:nvGrpSpPr>
+      <p:grpSpPr>
+        <a:xfrm>
+          <a:off x="0" y="0"/>
+          <a:ext cx="0" cy="0"/>
+          <a:chOff x="0" y="0"/>
+          <a:chExt cx="0" cy="0"/>
+        </a:xfrm>
+      </p:grpSpPr>
+      <p:sp>
+        <p:nvSpPr>
+          <p:cNvPr id="2" name="Title 1">
+            <a:extLst>
+              <a:ext uri="{FF2B5EF4-FFF2-40B4-BE49-F238E27FC236}">
+                <a16:creationId xmlns:a16="http://schemas.microsoft.com/office/drawing/2014/main" id="{AD2708FE-681A-7010-10E5-314444261317}"/>
+              </a:ext>
+            </a:extLst>
+          </p:cNvPr>
+          <p:cNvSpPr>
+            <a:spLocks noGrp="1"/>
+          </p:cNvSpPr>
+          <p:nvPr>
+            <p:ph type="title"/>
+          </p:nvPr>
+        </p:nvSpPr>
+        <p:spPr/>
+        <p:txBody>
+          <a:bodyPr/>
+          <a:lstStyle/>
+          <a:p>
+            <a:r>
+              <a:rPr lang="en-US" dirty="0"/>
+              <a:t>ARCHITECTURE: (MVC)</a:t>
+            </a:r>
+          </a:p>
+        </p:txBody>
+      </p:sp>
+      <p:sp>
+        <p:nvSpPr>
+          <p:cNvPr id="3" name="Content Placeholder 2">
+            <a:extLst>
+              <a:ext uri="{FF2B5EF4-FFF2-40B4-BE49-F238E27FC236}">
+                <a16:creationId xmlns:a16="http://schemas.microsoft.com/office/drawing/2014/main" id="{2AD3C39E-72E5-1390-74BA-DE3F156F850D}"/>
+              </a:ext>
+            </a:extLst>
+          </p:cNvPr>
+          <p:cNvSpPr>
+            <a:spLocks noGrp="1"/>
+          </p:cNvSpPr>
+          <p:nvPr>
+            <p:ph idx="1"/>
+          </p:nvPr>
+        </p:nvSpPr>
+        <p:spPr>
+          <a:xfrm>
+            <a:off x="572516" y="1941832"/>
+            <a:ext cx="10728325" cy="3227375"/>
+          </a:xfrm>
+        </p:spPr>
+        <p:txBody>
+          <a:bodyPr>
+            <a:noAutofit/>
+          </a:bodyPr>
+          <a:lstStyle/>
+          <a:p>
+            <a:r>
+              <a:rPr lang="en-US" sz="2600" dirty="0">
+                <a:latin typeface="+mj-lt"/>
+              </a:rPr>
+              <a:t>The </a:t>
+            </a:r>
+            <a:r>
+              <a:rPr lang="en-US" sz="2600" b="1" dirty="0">
+                <a:latin typeface="+mj-lt"/>
+              </a:rPr>
+              <a:t>MVC (Model-View-Controller)</a:t>
+            </a:r>
+            <a:r>
+              <a:rPr lang="en-US" sz="2600" dirty="0">
+                <a:latin typeface="+mj-lt"/>
+              </a:rPr>
+              <a:t> model is a design pattern that separates an application into three components:</a:t>
+            </a:r>
+          </a:p>
+          <a:p>
+            <a:pPr>
+              <a:buFont typeface="Arial" panose="020B0604020202020204" pitchFamily="34" charset="0"/>
+              <a:buChar char="•"/>
+            </a:pPr>
+            <a:r>
+              <a:rPr lang="en-US" sz="2600" b="1" dirty="0">
+                <a:latin typeface="+mj-lt"/>
+              </a:rPr>
+              <a:t>Model</a:t>
+            </a:r>
+            <a:r>
+              <a:rPr lang="en-US" sz="2600" dirty="0">
+                <a:latin typeface="+mj-lt"/>
+              </a:rPr>
+              <a:t>: Handles data and business logic. In Django, this involves managing the database and data structures.</a:t>
+            </a:r>
+          </a:p>
+          <a:p>
+            <a:pPr>
+              <a:buFont typeface="Arial" panose="020B0604020202020204" pitchFamily="34" charset="0"/>
+              <a:buChar char="•"/>
+            </a:pPr>
+            <a:r>
+              <a:rPr lang="en-US" sz="2600" b="1" dirty="0">
+                <a:latin typeface="+mj-lt"/>
+              </a:rPr>
+              <a:t>View</a:t>
+            </a:r>
+            <a:r>
+              <a:rPr lang="en-US" sz="2600" dirty="0">
+                <a:latin typeface="+mj-lt"/>
+              </a:rPr>
+              <a:t>: Responsible for the user interface. In React, it renders the UI and updates dynamically based on user interactions.</a:t>
+            </a:r>
+          </a:p>
+          <a:p>
+            <a:pPr>
+              <a:buFont typeface="Arial" panose="020B0604020202020204" pitchFamily="34" charset="0"/>
+              <a:buChar char="•"/>
+            </a:pPr>
+            <a:r>
+              <a:rPr lang="en-US" sz="2600" b="1" dirty="0">
+                <a:latin typeface="+mj-lt"/>
+              </a:rPr>
+              <a:t>Controller</a:t>
+            </a:r>
+            <a:r>
+              <a:rPr lang="en-US" sz="2600" dirty="0">
+                <a:latin typeface="+mj-lt"/>
+              </a:rPr>
+              <a:t>: Manages communication between the Model and View. In Django, views act as controllers, handling requests and responses. Redux helps manage the application's state, ensuring smooth data flow between the front-end and back-end.</a:t>
+            </a:r>
+          </a:p>
+          <a:p>
+            <a:r>
+              <a:rPr lang="en-US" sz="2600" dirty="0">
+                <a:latin typeface="+mj-lt"/>
+              </a:rPr>
+              <a:t>This separation enhances modularity and makes the application easier to maintain and scale.</a:t>
+            </a:r>
+          </a:p>
+        </p:txBody>
+      </p:sp>
+    </p:spTree>
+    <p:extLst>
+      <p:ext uri="{BB962C8B-B14F-4D97-AF65-F5344CB8AC3E}">
+        <p14:creationId xmlns:p14="http://schemas.microsoft.com/office/powerpoint/2010/main" val="1060227628"/>
+      </p:ext>
+    </p:extLst>
+  </p:cSld>
+  <p:clrMapOvr>
+    <a:masterClrMapping/>
+  </p:clrMapOvr>
+</p:sld>
+</file>
+
+<file path=ppt/slides/slide4.xml><?xml version="1.0" encoding="utf-8"?>
+<p:sld xmlns:a="http://schemas.openxmlformats.org/drawingml/2006/main" xmlns:r="http://schemas.openxmlformats.org/officeDocument/2006/relationships" xmlns:p="http://schemas.openxmlformats.org/presentationml/2006/main">
+  <p:cSld>
     <p:bg>
       <p:bgPr>
         <a:solidFill>
@@ -13363,7 +13533,7 @@
 </p:sld>
 </file>
 
-<file path=ppt/slides/slide4.xml><?xml version="1.0" encoding="utf-8"?>
+<file path=ppt/slides/slide5.xml><?xml version="1.0" encoding="utf-8"?>
 <p:sld xmlns:a="http://schemas.openxmlformats.org/drawingml/2006/main" xmlns:r="http://schemas.openxmlformats.org/officeDocument/2006/relationships" xmlns:p="http://schemas.openxmlformats.org/presentationml/2006/main">
   <p:cSld>
     <p:bg>
@@ -13506,7 +13676,7 @@
             <p:ph idx="1"/>
             <p:extLst>
               <p:ext uri="{D42A27DB-BD31-4B8C-83A1-F6EECF244321}">
-                <p14:modId xmlns:p14="http://schemas.microsoft.com/office/powerpoint/2010/main" val="2011121465"/>
+                <p14:modId xmlns:p14="http://schemas.microsoft.com/office/powerpoint/2010/main" val="888921464"/>
               </p:ext>
             </p:extLst>
           </p:nvPr>
@@ -13534,7 +13704,7 @@
 </p:sld>
 </file>
 
-<file path=ppt/slides/slide5.xml><?xml version="1.0" encoding="utf-8"?>
+<file path=ppt/slides/slide6.xml><?xml version="1.0" encoding="utf-8"?>
 <p:sld xmlns:a="http://schemas.openxmlformats.org/drawingml/2006/main" xmlns:r="http://schemas.openxmlformats.org/officeDocument/2006/relationships" xmlns:p="http://schemas.openxmlformats.org/presentationml/2006/main">
   <p:cSld>
     <p:bg>
@@ -13987,7 +14157,7 @@
 </p:sld>
 </file>
 
-<file path=ppt/slides/slide6.xml><?xml version="1.0" encoding="utf-8"?>
+<file path=ppt/slides/slide7.xml><?xml version="1.0" encoding="utf-8"?>
 <p:sld xmlns:a="http://schemas.openxmlformats.org/drawingml/2006/main" xmlns:r="http://schemas.openxmlformats.org/officeDocument/2006/relationships" xmlns:p="http://schemas.openxmlformats.org/presentationml/2006/main">
   <p:cSld>
     <p:bg>
@@ -15148,7 +15318,7 @@
 </p:sld>
 </file>
 
-<file path=ppt/slides/slide7.xml><?xml version="1.0" encoding="utf-8"?>
+<file path=ppt/slides/slide8.xml><?xml version="1.0" encoding="utf-8"?>
 <p:sld xmlns:a="http://schemas.openxmlformats.org/drawingml/2006/main" xmlns:r="http://schemas.openxmlformats.org/officeDocument/2006/relationships" xmlns:p="http://schemas.openxmlformats.org/presentationml/2006/main">
   <p:cSld>
     <p:bg>
